--- a/Misc/Python4ML/Python4ML.pptx
+++ b/Misc/Python4ML/Python4ML.pptx
@@ -15,7 +15,8 @@
     <p:sldId id="263" r:id="rId9"/>
     <p:sldId id="265" r:id="rId10"/>
     <p:sldId id="266" r:id="rId11"/>
-    <p:sldId id="264" r:id="rId12"/>
+    <p:sldId id="268" r:id="rId12"/>
+    <p:sldId id="264" r:id="rId13"/>
   </p:sldIdLst>
   <p:sldSz cx="12192000" cy="6858000"/>
   <p:notesSz cx="6858000" cy="9144000"/>
@@ -352,7 +353,7 @@
           <a:p>
             <a:fld id="{8F40E0DB-8359-4A5E-B813-EC9A9793C6FC}" type="datetimeFigureOut">
               <a:rPr lang="en-US" smtClean="0"/>
-              <a:t>1/27/2018</a:t>
+              <a:t>1/29/2018</a:t>
             </a:fld>
             <a:endParaRPr lang="en-US"/>
           </a:p>
@@ -560,7 +561,7 @@
           <a:p>
             <a:fld id="{8F40E0DB-8359-4A5E-B813-EC9A9793C6FC}" type="datetimeFigureOut">
               <a:rPr lang="en-US" smtClean="0"/>
-              <a:t>1/27/2018</a:t>
+              <a:t>1/29/2018</a:t>
             </a:fld>
             <a:endParaRPr lang="en-US"/>
           </a:p>
@@ -816,7 +817,7 @@
           <a:p>
             <a:fld id="{8F40E0DB-8359-4A5E-B813-EC9A9793C6FC}" type="datetimeFigureOut">
               <a:rPr lang="en-US" smtClean="0"/>
-              <a:t>1/27/2018</a:t>
+              <a:t>1/29/2018</a:t>
             </a:fld>
             <a:endParaRPr lang="en-US"/>
           </a:p>
@@ -990,7 +991,7 @@
           <a:p>
             <a:fld id="{8F40E0DB-8359-4A5E-B813-EC9A9793C6FC}" type="datetimeFigureOut">
               <a:rPr lang="en-US" smtClean="0"/>
-              <a:t>1/27/2018</a:t>
+              <a:t>1/29/2018</a:t>
             </a:fld>
             <a:endParaRPr lang="en-US"/>
           </a:p>
@@ -1333,7 +1334,7 @@
           <a:p>
             <a:fld id="{8F40E0DB-8359-4A5E-B813-EC9A9793C6FC}" type="datetimeFigureOut">
               <a:rPr lang="en-US" smtClean="0"/>
-              <a:t>1/27/2018</a:t>
+              <a:t>1/29/2018</a:t>
             </a:fld>
             <a:endParaRPr lang="en-US"/>
           </a:p>
@@ -1608,7 +1609,7 @@
           <a:p>
             <a:fld id="{8F40E0DB-8359-4A5E-B813-EC9A9793C6FC}" type="datetimeFigureOut">
               <a:rPr lang="en-US" smtClean="0"/>
-              <a:t>1/27/2018</a:t>
+              <a:t>1/29/2018</a:t>
             </a:fld>
             <a:endParaRPr lang="en-US"/>
           </a:p>
@@ -1987,7 +1988,7 @@
           <a:p>
             <a:fld id="{8F40E0DB-8359-4A5E-B813-EC9A9793C6FC}" type="datetimeFigureOut">
               <a:rPr lang="en-US" smtClean="0"/>
-              <a:t>1/27/2018</a:t>
+              <a:t>1/29/2018</a:t>
             </a:fld>
             <a:endParaRPr lang="en-US"/>
           </a:p>
@@ -2105,7 +2106,7 @@
           <a:p>
             <a:fld id="{8F40E0DB-8359-4A5E-B813-EC9A9793C6FC}" type="datetimeFigureOut">
               <a:rPr lang="en-US" smtClean="0"/>
-              <a:t>1/27/2018</a:t>
+              <a:t>1/29/2018</a:t>
             </a:fld>
             <a:endParaRPr lang="en-US"/>
           </a:p>
@@ -2276,7 +2277,7 @@
           <a:p>
             <a:fld id="{8F40E0DB-8359-4A5E-B813-EC9A9793C6FC}" type="datetimeFigureOut">
               <a:rPr lang="en-US" smtClean="0"/>
-              <a:t>1/27/2018</a:t>
+              <a:t>1/29/2018</a:t>
             </a:fld>
             <a:endParaRPr lang="en-US"/>
           </a:p>
@@ -2630,7 +2631,7 @@
           <a:p>
             <a:fld id="{8F40E0DB-8359-4A5E-B813-EC9A9793C6FC}" type="datetimeFigureOut">
               <a:rPr lang="en-US" smtClean="0"/>
-              <a:t>1/27/2018</a:t>
+              <a:t>1/29/2018</a:t>
             </a:fld>
             <a:endParaRPr lang="en-US"/>
           </a:p>
@@ -3012,7 +3013,7 @@
           <a:p>
             <a:fld id="{8F40E0DB-8359-4A5E-B813-EC9A9793C6FC}" type="datetimeFigureOut">
               <a:rPr lang="en-US" smtClean="0"/>
-              <a:t>1/27/2018</a:t>
+              <a:t>1/29/2018</a:t>
             </a:fld>
             <a:endParaRPr lang="en-US"/>
           </a:p>
@@ -3299,7 +3300,7 @@
           <a:p>
             <a:fld id="{8F40E0DB-8359-4A5E-B813-EC9A9793C6FC}" type="datetimeFigureOut">
               <a:rPr lang="en-US" smtClean="0"/>
-              <a:t>1/27/2018</a:t>
+              <a:t>1/29/2018</a:t>
             </a:fld>
             <a:endParaRPr lang="en-US"/>
           </a:p>
@@ -4163,6 +4164,169 @@
           <a:p>
             <a:r>
               <a:rPr lang="en-US" dirty="0"/>
+              <a:t>Kaggle</a:t>
+            </a:r>
+          </a:p>
+        </p:txBody>
+      </p:sp>
+      <p:sp>
+        <p:nvSpPr>
+          <p:cNvPr id="3" name="Content Placeholder 2">
+            <a:extLst>
+              <a:ext uri="{FF2B5EF4-FFF2-40B4-BE49-F238E27FC236}">
+                <a16:creationId xmlns:a16="http://schemas.microsoft.com/office/drawing/2014/main" id="{AC38291C-F7E0-45D1-A315-C37CE32EF186}"/>
+              </a:ext>
+            </a:extLst>
+          </p:cNvPr>
+          <p:cNvSpPr>
+            <a:spLocks noGrp="1"/>
+          </p:cNvSpPr>
+          <p:nvPr>
+            <p:ph idx="1"/>
+          </p:nvPr>
+        </p:nvSpPr>
+        <p:spPr>
+          <a:xfrm>
+            <a:off x="1097280" y="1845733"/>
+            <a:ext cx="10058400" cy="4275367"/>
+          </a:xfrm>
+        </p:spPr>
+        <p:txBody>
+          <a:bodyPr>
+            <a:normAutofit/>
+          </a:bodyPr>
+          <a:lstStyle/>
+          <a:p>
+            <a:r>
+              <a:rPr lang="en-US" dirty="0"/>
+              <a:t>For those of you still looking for a project, Kaggle is a great place for ideas and inspiration</a:t>
+            </a:r>
+          </a:p>
+          <a:p>
+            <a:r>
+              <a:rPr lang="en-US" dirty="0"/>
+              <a:t>Competitions</a:t>
+            </a:r>
+          </a:p>
+          <a:p>
+            <a:pPr lvl="1"/>
+            <a:r>
+              <a:rPr lang="en-US" dirty="0"/>
+              <a:t>Real companies post their data problems on Kaggle, the best solutions are awarded prize money</a:t>
+            </a:r>
+          </a:p>
+          <a:p>
+            <a:r>
+              <a:rPr lang="en-US" dirty="0"/>
+              <a:t>Datasets</a:t>
+            </a:r>
+          </a:p>
+          <a:p>
+            <a:pPr lvl="1"/>
+            <a:r>
+              <a:rPr lang="en-US" dirty="0"/>
+              <a:t>Kaggle has one of the largest collections of datasets</a:t>
+            </a:r>
+          </a:p>
+          <a:p>
+            <a:pPr lvl="1"/>
+            <a:r>
+              <a:rPr lang="en-US" dirty="0"/>
+              <a:t>Datasets span a wide variety of domains</a:t>
+            </a:r>
+          </a:p>
+          <a:p>
+            <a:r>
+              <a:rPr lang="en-US" dirty="0"/>
+              <a:t>Kernels</a:t>
+            </a:r>
+          </a:p>
+          <a:p>
+            <a:pPr lvl="1"/>
+            <a:r>
+              <a:rPr lang="en-US" dirty="0"/>
+              <a:t>Browse other people’s solutions and code for challenging data problems</a:t>
+            </a:r>
+          </a:p>
+          <a:p>
+            <a:r>
+              <a:rPr lang="en-US" dirty="0"/>
+              <a:t>Jobs</a:t>
+            </a:r>
+          </a:p>
+          <a:p>
+            <a:pPr lvl="1"/>
+            <a:r>
+              <a:rPr lang="en-US" dirty="0"/>
+              <a:t>Lots of companies post job openings on Kaggle</a:t>
+            </a:r>
+          </a:p>
+          <a:p>
+            <a:pPr lvl="1"/>
+            <a:r>
+              <a:rPr lang="en-US" dirty="0"/>
+              <a:t>Being active on Kaggle looks very good on resume for data positions</a:t>
+            </a:r>
+          </a:p>
+          <a:p>
+            <a:pPr lvl="1"/>
+            <a:endParaRPr lang="en-US" dirty="0"/>
+          </a:p>
+        </p:txBody>
+      </p:sp>
+    </p:spTree>
+    <p:extLst>
+      <p:ext uri="{BB962C8B-B14F-4D97-AF65-F5344CB8AC3E}">
+        <p14:creationId xmlns:p14="http://schemas.microsoft.com/office/powerpoint/2010/main" val="1721111981"/>
+      </p:ext>
+    </p:extLst>
+  </p:cSld>
+  <p:clrMapOvr>
+    <a:masterClrMapping/>
+  </p:clrMapOvr>
+</p:sld>
+</file>
+
+<file path=ppt/slides/slide12.xml><?xml version="1.0" encoding="utf-8"?>
+<p:sld xmlns:a="http://schemas.openxmlformats.org/drawingml/2006/main" xmlns:r="http://schemas.openxmlformats.org/officeDocument/2006/relationships" xmlns:p="http://schemas.openxmlformats.org/presentationml/2006/main">
+  <p:cSld>
+    <p:spTree>
+      <p:nvGrpSpPr>
+        <p:cNvPr id="1" name=""/>
+        <p:cNvGrpSpPr/>
+        <p:nvPr/>
+      </p:nvGrpSpPr>
+      <p:grpSpPr>
+        <a:xfrm>
+          <a:off x="0" y="0"/>
+          <a:ext cx="0" cy="0"/>
+          <a:chOff x="0" y="0"/>
+          <a:chExt cx="0" cy="0"/>
+        </a:xfrm>
+      </p:grpSpPr>
+      <p:sp>
+        <p:nvSpPr>
+          <p:cNvPr id="2" name="Title 1">
+            <a:extLst>
+              <a:ext uri="{FF2B5EF4-FFF2-40B4-BE49-F238E27FC236}">
+                <a16:creationId xmlns:a16="http://schemas.microsoft.com/office/drawing/2014/main" id="{09665CD7-15B7-45DD-A707-A40476B332BE}"/>
+              </a:ext>
+            </a:extLst>
+          </p:cNvPr>
+          <p:cNvSpPr>
+            <a:spLocks noGrp="1"/>
+          </p:cNvSpPr>
+          <p:nvPr>
+            <p:ph type="title"/>
+          </p:nvPr>
+        </p:nvSpPr>
+        <p:spPr/>
+        <p:txBody>
+          <a:bodyPr/>
+          <a:lstStyle/>
+          <a:p>
+            <a:r>
+              <a:rPr lang="en-US" dirty="0"/>
               <a:t>Additional Resources</a:t>
             </a:r>
           </a:p>

--- a/Misc/Python4ML/Python4ML.pptx
+++ b/Misc/Python4ML/Python4ML.pptx
@@ -4637,21 +4637,21 @@
             <a:pPr lvl="1"/>
             <a:r>
               <a:rPr lang="en-US" dirty="0"/>
-              <a:t>Does not require code to be compiled before running</a:t>
-            </a:r>
-          </a:p>
-          <a:p>
-            <a:pPr lvl="1"/>
-            <a:r>
-              <a:rPr lang="en-US" dirty="0"/>
-              <a:t>Unlike languages like Java and C++, Python doesn’t require everything to be in object-oriented format, so it’s faster to write code in</a:t>
-            </a:r>
-          </a:p>
-          <a:p>
-            <a:pPr lvl="1"/>
-            <a:r>
-              <a:rPr lang="en-US" dirty="0"/>
-              <a:t>Python supports object-oriented programming</a:t>
+              <a:t>Interpreted during runtime, does not require code to be compiled into binary before running</a:t>
+            </a:r>
+          </a:p>
+          <a:p>
+            <a:pPr lvl="1"/>
+            <a:r>
+              <a:rPr lang="en-US" dirty="0"/>
+              <a:t>Unlike languages like Java, Python doesn’t require everything to be in object-oriented programming (OOP) format, but it supports OOP</a:t>
+            </a:r>
+          </a:p>
+          <a:p>
+            <a:pPr lvl="1"/>
+            <a:r>
+              <a:rPr lang="en-US" dirty="0"/>
+              <a:t>Python has a ton of built-in libraries, so many common functions are already pre-written for you</a:t>
             </a:r>
           </a:p>
           <a:p>
@@ -4819,7 +4819,7 @@
             <a:pPr lvl="1"/>
             <a:r>
               <a:rPr lang="en-US" dirty="0"/>
-              <a:t>Python 2.7 – the old version of Python, support discontinues in </a:t>
+              <a:t>Python 2.7 – the old version of Python, support discontinues in 2020</a:t>
             </a:r>
           </a:p>
           <a:p>
@@ -5101,6 +5101,17 @@
             </a:r>
           </a:p>
           <a:p>
+            <a:pPr lvl="1"/>
+            <a:r>
+              <a:rPr lang="en-US" dirty="0" err="1"/>
+              <a:t>NumPy</a:t>
+            </a:r>
+            <a:r>
+              <a:rPr lang="en-US" dirty="0"/>
+              <a:t> operations are optimized in C, so it is extremely fast to run</a:t>
+            </a:r>
+          </a:p>
+          <a:p>
             <a:r>
               <a:rPr lang="en-US" dirty="0"/>
               <a:t>Most data is stored in tables, which can easily be converted into </a:t>
@@ -5360,15 +5371,7 @@
             <a:pPr lvl="1"/>
             <a:r>
               <a:rPr lang="en-US" dirty="0"/>
-              <a:t>Oftentimes, data is first imported into a Pandas </a:t>
-            </a:r>
-            <a:r>
-              <a:rPr lang="en-US" dirty="0" err="1"/>
-              <a:t>DataFrame</a:t>
-            </a:r>
-            <a:r>
-              <a:rPr lang="en-US" dirty="0"/>
-              <a:t>, manipulated, and then converted into a </a:t>
+              <a:t>Use </a:t>
             </a:r>
             <a:r>
               <a:rPr lang="en-US" dirty="0" err="1"/>
@@ -5376,7 +5379,14 @@
             </a:r>
             <a:r>
               <a:rPr lang="en-US" dirty="0"/>
-              <a:t> array for the machine learning applications</a:t>
+              <a:t> for speed and big, complex operations</a:t>
+            </a:r>
+          </a:p>
+          <a:p>
+            <a:pPr lvl="1"/>
+            <a:r>
+              <a:rPr lang="en-US" dirty="0"/>
+              <a:t>Use Pandas for basic data exploration and visualization</a:t>
             </a:r>
           </a:p>
         </p:txBody>
@@ -5629,7 +5639,7 @@
             </a:r>
             <a:r>
               <a:rPr lang="en-US" dirty="0"/>
-              <a:t> is a Python machine learning library for generating 2d plots from data</a:t>
+              <a:t> is a Python visualization library for generating 2d/3d plots from data</a:t>
             </a:r>
           </a:p>
           <a:p>
@@ -5696,7 +5706,7 @@
             </a:r>
             <a:r>
               <a:rPr lang="en-US" dirty="0"/>
-              <a:t>)</a:t>
+              <a:t>, but less customizable)</a:t>
             </a:r>
           </a:p>
           <a:p>

--- a/Misc/Python4ML/Python4ML.pptx
+++ b/Misc/Python4ML/Python4ML.pptx
@@ -16,7 +16,8 @@
     <p:sldId id="265" r:id="rId10"/>
     <p:sldId id="266" r:id="rId11"/>
     <p:sldId id="268" r:id="rId12"/>
-    <p:sldId id="264" r:id="rId13"/>
+    <p:sldId id="269" r:id="rId13"/>
+    <p:sldId id="264" r:id="rId14"/>
   </p:sldIdLst>
   <p:sldSz cx="12192000" cy="6858000"/>
   <p:notesSz cx="6858000" cy="9144000"/>
@@ -353,7 +354,7 @@
           <a:p>
             <a:fld id="{8F40E0DB-8359-4A5E-B813-EC9A9793C6FC}" type="datetimeFigureOut">
               <a:rPr lang="en-US" smtClean="0"/>
-              <a:t>1/29/2018</a:t>
+              <a:t>1/31/2018</a:t>
             </a:fld>
             <a:endParaRPr lang="en-US"/>
           </a:p>
@@ -561,7 +562,7 @@
           <a:p>
             <a:fld id="{8F40E0DB-8359-4A5E-B813-EC9A9793C6FC}" type="datetimeFigureOut">
               <a:rPr lang="en-US" smtClean="0"/>
-              <a:t>1/29/2018</a:t>
+              <a:t>1/31/2018</a:t>
             </a:fld>
             <a:endParaRPr lang="en-US"/>
           </a:p>
@@ -817,7 +818,7 @@
           <a:p>
             <a:fld id="{8F40E0DB-8359-4A5E-B813-EC9A9793C6FC}" type="datetimeFigureOut">
               <a:rPr lang="en-US" smtClean="0"/>
-              <a:t>1/29/2018</a:t>
+              <a:t>1/31/2018</a:t>
             </a:fld>
             <a:endParaRPr lang="en-US"/>
           </a:p>
@@ -991,7 +992,7 @@
           <a:p>
             <a:fld id="{8F40E0DB-8359-4A5E-B813-EC9A9793C6FC}" type="datetimeFigureOut">
               <a:rPr lang="en-US" smtClean="0"/>
-              <a:t>1/29/2018</a:t>
+              <a:t>1/31/2018</a:t>
             </a:fld>
             <a:endParaRPr lang="en-US"/>
           </a:p>
@@ -1334,7 +1335,7 @@
           <a:p>
             <a:fld id="{8F40E0DB-8359-4A5E-B813-EC9A9793C6FC}" type="datetimeFigureOut">
               <a:rPr lang="en-US" smtClean="0"/>
-              <a:t>1/29/2018</a:t>
+              <a:t>1/31/2018</a:t>
             </a:fld>
             <a:endParaRPr lang="en-US"/>
           </a:p>
@@ -1609,7 +1610,7 @@
           <a:p>
             <a:fld id="{8F40E0DB-8359-4A5E-B813-EC9A9793C6FC}" type="datetimeFigureOut">
               <a:rPr lang="en-US" smtClean="0"/>
-              <a:t>1/29/2018</a:t>
+              <a:t>1/31/2018</a:t>
             </a:fld>
             <a:endParaRPr lang="en-US"/>
           </a:p>
@@ -1988,7 +1989,7 @@
           <a:p>
             <a:fld id="{8F40E0DB-8359-4A5E-B813-EC9A9793C6FC}" type="datetimeFigureOut">
               <a:rPr lang="en-US" smtClean="0"/>
-              <a:t>1/29/2018</a:t>
+              <a:t>1/31/2018</a:t>
             </a:fld>
             <a:endParaRPr lang="en-US"/>
           </a:p>
@@ -2106,7 +2107,7 @@
           <a:p>
             <a:fld id="{8F40E0DB-8359-4A5E-B813-EC9A9793C6FC}" type="datetimeFigureOut">
               <a:rPr lang="en-US" smtClean="0"/>
-              <a:t>1/29/2018</a:t>
+              <a:t>1/31/2018</a:t>
             </a:fld>
             <a:endParaRPr lang="en-US"/>
           </a:p>
@@ -2277,7 +2278,7 @@
           <a:p>
             <a:fld id="{8F40E0DB-8359-4A5E-B813-EC9A9793C6FC}" type="datetimeFigureOut">
               <a:rPr lang="en-US" smtClean="0"/>
-              <a:t>1/29/2018</a:t>
+              <a:t>1/31/2018</a:t>
             </a:fld>
             <a:endParaRPr lang="en-US"/>
           </a:p>
@@ -2631,7 +2632,7 @@
           <a:p>
             <a:fld id="{8F40E0DB-8359-4A5E-B813-EC9A9793C6FC}" type="datetimeFigureOut">
               <a:rPr lang="en-US" smtClean="0"/>
-              <a:t>1/29/2018</a:t>
+              <a:t>1/31/2018</a:t>
             </a:fld>
             <a:endParaRPr lang="en-US"/>
           </a:p>
@@ -3013,7 +3014,7 @@
           <a:p>
             <a:fld id="{8F40E0DB-8359-4A5E-B813-EC9A9793C6FC}" type="datetimeFigureOut">
               <a:rPr lang="en-US" smtClean="0"/>
-              <a:t>1/29/2018</a:t>
+              <a:t>1/31/2018</a:t>
             </a:fld>
             <a:endParaRPr lang="en-US"/>
           </a:p>
@@ -3300,7 +3301,7 @@
           <a:p>
             <a:fld id="{8F40E0DB-8359-4A5E-B813-EC9A9793C6FC}" type="datetimeFigureOut">
               <a:rPr lang="en-US" smtClean="0"/>
-              <a:t>1/29/2018</a:t>
+              <a:t>1/31/2018</a:t>
             </a:fld>
             <a:endParaRPr lang="en-US"/>
           </a:p>
@@ -4327,6 +4328,249 @@
           <a:p>
             <a:r>
               <a:rPr lang="en-US" dirty="0"/>
+              <a:t>Launching Python</a:t>
+            </a:r>
+          </a:p>
+        </p:txBody>
+      </p:sp>
+      <p:sp>
+        <p:nvSpPr>
+          <p:cNvPr id="3" name="Content Placeholder 2">
+            <a:extLst>
+              <a:ext uri="{FF2B5EF4-FFF2-40B4-BE49-F238E27FC236}">
+                <a16:creationId xmlns:a16="http://schemas.microsoft.com/office/drawing/2014/main" id="{AC38291C-F7E0-45D1-A315-C37CE32EF186}"/>
+              </a:ext>
+            </a:extLst>
+          </p:cNvPr>
+          <p:cNvSpPr>
+            <a:spLocks noGrp="1"/>
+          </p:cNvSpPr>
+          <p:nvPr>
+            <p:ph idx="1"/>
+          </p:nvPr>
+        </p:nvSpPr>
+        <p:spPr>
+          <a:xfrm>
+            <a:off x="1097280" y="1845733"/>
+            <a:ext cx="10058400" cy="4275367"/>
+          </a:xfrm>
+        </p:spPr>
+        <p:txBody>
+          <a:bodyPr>
+            <a:normAutofit lnSpcReduction="10000"/>
+          </a:bodyPr>
+          <a:lstStyle/>
+          <a:p>
+            <a:r>
+              <a:rPr lang="en-US" dirty="0"/>
+              <a:t>Python Interactive Shell</a:t>
+            </a:r>
+          </a:p>
+          <a:p>
+            <a:pPr lvl="1"/>
+            <a:r>
+              <a:rPr lang="en-US" dirty="0"/>
+              <a:t>Type </a:t>
+            </a:r>
+            <a:r>
+              <a:rPr lang="en-US" sz="1400" dirty="0">
+                <a:latin typeface="Lucida Console" panose="020B0609040504020204" pitchFamily="49" charset="0"/>
+              </a:rPr>
+              <a:t>python</a:t>
+            </a:r>
+            <a:r>
+              <a:rPr lang="en-US" dirty="0"/>
+              <a:t> in your terminal</a:t>
+            </a:r>
+          </a:p>
+          <a:p>
+            <a:pPr lvl="1"/>
+            <a:r>
+              <a:rPr lang="en-US" dirty="0"/>
+              <a:t>Python commands execute as you type them in</a:t>
+            </a:r>
+          </a:p>
+          <a:p>
+            <a:pPr lvl="1"/>
+            <a:r>
+              <a:rPr lang="en-US" dirty="0"/>
+              <a:t>Type </a:t>
+            </a:r>
+            <a:r>
+              <a:rPr lang="en-US" sz="1400" dirty="0">
+                <a:latin typeface="Lucida Console" panose="020B0609040504020204" pitchFamily="49" charset="0"/>
+              </a:rPr>
+              <a:t>exit() </a:t>
+            </a:r>
+            <a:r>
+              <a:rPr lang="en-US" dirty="0"/>
+              <a:t>to close</a:t>
+            </a:r>
+          </a:p>
+          <a:p>
+            <a:r>
+              <a:rPr lang="en-US" dirty="0"/>
+              <a:t>Python Scripts</a:t>
+            </a:r>
+          </a:p>
+          <a:p>
+            <a:pPr lvl="1"/>
+            <a:r>
+              <a:rPr lang="en-US" dirty="0"/>
+              <a:t>Create a Python script (.</a:t>
+            </a:r>
+            <a:r>
+              <a:rPr lang="en-US" dirty="0" err="1"/>
+              <a:t>py</a:t>
+            </a:r>
+            <a:r>
+              <a:rPr lang="en-US" dirty="0"/>
+              <a:t> file) in your favorite text editor</a:t>
+            </a:r>
+          </a:p>
+          <a:p>
+            <a:pPr lvl="1"/>
+            <a:r>
+              <a:rPr lang="en-US" dirty="0"/>
+              <a:t>Type </a:t>
+            </a:r>
+            <a:r>
+              <a:rPr lang="en-US" sz="1400" dirty="0">
+                <a:latin typeface="Lucida Console" panose="020B0609040504020204" pitchFamily="49" charset="0"/>
+              </a:rPr>
+              <a:t>python script_name.py </a:t>
+            </a:r>
+            <a:r>
+              <a:rPr lang="en-US" dirty="0"/>
+              <a:t>in your terminal</a:t>
+            </a:r>
+          </a:p>
+          <a:p>
+            <a:pPr lvl="1"/>
+            <a:r>
+              <a:rPr lang="en-US" dirty="0"/>
+              <a:t>Executes all contents of the Python script</a:t>
+            </a:r>
+          </a:p>
+          <a:p>
+            <a:r>
+              <a:rPr lang="en-US" dirty="0" err="1"/>
+              <a:t>Jupyter</a:t>
+            </a:r>
+            <a:r>
+              <a:rPr lang="en-US" dirty="0"/>
+              <a:t> Notebook</a:t>
+            </a:r>
+          </a:p>
+          <a:p>
+            <a:pPr lvl="1"/>
+            <a:r>
+              <a:rPr lang="en-US" dirty="0"/>
+              <a:t>Type</a:t>
+            </a:r>
+            <a:r>
+              <a:rPr lang="en-US" sz="1400" dirty="0">
+                <a:latin typeface="Lucida Console" panose="020B0609040504020204" pitchFamily="49" charset="0"/>
+              </a:rPr>
+              <a:t> </a:t>
+            </a:r>
+            <a:r>
+              <a:rPr lang="en-US" sz="1400" dirty="0" err="1">
+                <a:latin typeface="Lucida Console" panose="020B0609040504020204" pitchFamily="49" charset="0"/>
+              </a:rPr>
+              <a:t>jupyter</a:t>
+            </a:r>
+            <a:r>
+              <a:rPr lang="en-US" sz="1400" dirty="0">
+                <a:latin typeface="Lucida Console" panose="020B0609040504020204" pitchFamily="49" charset="0"/>
+              </a:rPr>
+              <a:t> notebook </a:t>
+            </a:r>
+            <a:r>
+              <a:rPr lang="en-US" dirty="0"/>
+              <a:t>in your terminal</a:t>
+            </a:r>
+          </a:p>
+          <a:p>
+            <a:pPr lvl="1"/>
+            <a:r>
+              <a:rPr lang="en-US" dirty="0"/>
+              <a:t>Opens in a web browser</a:t>
+            </a:r>
+          </a:p>
+          <a:p>
+            <a:pPr lvl="1"/>
+            <a:r>
+              <a:rPr lang="en-US" dirty="0"/>
+              <a:t>Separates code into executable blocks, with optional text in between</a:t>
+            </a:r>
+          </a:p>
+          <a:p>
+            <a:pPr lvl="1"/>
+            <a:r>
+              <a:rPr lang="en-US" dirty="0"/>
+              <a:t>Code executes one block at a time</a:t>
+            </a:r>
+          </a:p>
+          <a:p>
+            <a:pPr lvl="1"/>
+            <a:endParaRPr lang="en-US" dirty="0"/>
+          </a:p>
+        </p:txBody>
+      </p:sp>
+    </p:spTree>
+    <p:extLst>
+      <p:ext uri="{BB962C8B-B14F-4D97-AF65-F5344CB8AC3E}">
+        <p14:creationId xmlns:p14="http://schemas.microsoft.com/office/powerpoint/2010/main" val="302135101"/>
+      </p:ext>
+    </p:extLst>
+  </p:cSld>
+  <p:clrMapOvr>
+    <a:masterClrMapping/>
+  </p:clrMapOvr>
+</p:sld>
+</file>
+
+<file path=ppt/slides/slide13.xml><?xml version="1.0" encoding="utf-8"?>
+<p:sld xmlns:a="http://schemas.openxmlformats.org/drawingml/2006/main" xmlns:r="http://schemas.openxmlformats.org/officeDocument/2006/relationships" xmlns:p="http://schemas.openxmlformats.org/presentationml/2006/main">
+  <p:cSld>
+    <p:spTree>
+      <p:nvGrpSpPr>
+        <p:cNvPr id="1" name=""/>
+        <p:cNvGrpSpPr/>
+        <p:nvPr/>
+      </p:nvGrpSpPr>
+      <p:grpSpPr>
+        <a:xfrm>
+          <a:off x="0" y="0"/>
+          <a:ext cx="0" cy="0"/>
+          <a:chOff x="0" y="0"/>
+          <a:chExt cx="0" cy="0"/>
+        </a:xfrm>
+      </p:grpSpPr>
+      <p:sp>
+        <p:nvSpPr>
+          <p:cNvPr id="2" name="Title 1">
+            <a:extLst>
+              <a:ext uri="{FF2B5EF4-FFF2-40B4-BE49-F238E27FC236}">
+                <a16:creationId xmlns:a16="http://schemas.microsoft.com/office/drawing/2014/main" id="{09665CD7-15B7-45DD-A707-A40476B332BE}"/>
+              </a:ext>
+            </a:extLst>
+          </p:cNvPr>
+          <p:cNvSpPr>
+            <a:spLocks noGrp="1"/>
+          </p:cNvSpPr>
+          <p:nvPr>
+            <p:ph type="title"/>
+          </p:nvPr>
+        </p:nvSpPr>
+        <p:spPr/>
+        <p:txBody>
+          <a:bodyPr/>
+          <a:lstStyle/>
+          <a:p>
+            <a:r>
+              <a:rPr lang="en-US" dirty="0"/>
               <a:t>Additional Resources</a:t>
             </a:r>
           </a:p>
